--- a/Phishing Website Detection by Machine Learning Techniques.pptx
+++ b/Phishing Website Detection by Machine Learning Techniques.pptx
@@ -5898,8 +5898,8 @@
         </p:nvSpPr>
         <p:spPr>
           <a:xfrm>
-            <a:off x="4438903" y="4765370"/>
-            <a:ext cx="3314700" cy="391795"/>
+            <a:off x="4168139" y="4544186"/>
+            <a:ext cx="4575809" cy="1146468"/>
           </a:xfrm>
           <a:prstGeom prst="rect">
             <a:avLst/>
@@ -5920,49 +5920,46 @@
               </a:spcBef>
             </a:pPr>
             <a:r>
-              <a:rPr sz="2400" b="1" spc="-105" dirty="0">
-                <a:solidFill>
-                  <a:srgbClr val="12466F"/>
-                </a:solidFill>
+              <a:rPr lang="en-US" sz="2400" b="1" spc="-105" dirty="0">
                 <a:latin typeface="Trebuchet MS"/>
                 <a:cs typeface="Trebuchet MS"/>
               </a:rPr>
-              <a:t>SHREYA </a:t>
-            </a:r>
-            <a:r>
-              <a:rPr sz="2400" b="1" spc="-70" dirty="0">
-                <a:solidFill>
-                  <a:srgbClr val="12466F"/>
-                </a:solidFill>
+              <a:t>Zaeem Ahmed                (K180166)</a:t>
+            </a:r>
+          </a:p>
+          <a:p>
+            <a:pPr marL="12700">
+              <a:lnSpc>
+                <a:spcPct val="100000"/>
+              </a:lnSpc>
+              <a:spcBef>
+                <a:spcPts val="100"/>
+              </a:spcBef>
+            </a:pPr>
+            <a:r>
+              <a:rPr lang="en-US" sz="2400" b="1" spc="-105" dirty="0">
                 <a:latin typeface="Trebuchet MS"/>
                 <a:cs typeface="Trebuchet MS"/>
               </a:rPr>
-              <a:t>GOPAL</a:t>
-            </a:r>
-            <a:r>
-              <a:rPr sz="2400" b="1" spc="-155" dirty="0">
-                <a:solidFill>
-                  <a:srgbClr val="12466F"/>
-                </a:solidFill>
+              <a:t>Ovaiz Ali                          (K180137)</a:t>
+            </a:r>
+          </a:p>
+          <a:p>
+            <a:pPr marL="12700">
+              <a:lnSpc>
+                <a:spcPct val="100000"/>
+              </a:lnSpc>
+              <a:spcBef>
+                <a:spcPts val="100"/>
+              </a:spcBef>
+            </a:pPr>
+            <a:r>
+              <a:rPr lang="en-US" sz="2400" b="1" spc="-105" dirty="0">
                 <a:latin typeface="Trebuchet MS"/>
                 <a:cs typeface="Trebuchet MS"/>
               </a:rPr>
-              <a:t> </a:t>
-            </a:r>
-            <a:r>
-              <a:rPr sz="2400" b="1" spc="-50" dirty="0">
-                <a:solidFill>
-                  <a:srgbClr val="12466F"/>
-                </a:solidFill>
-                <a:latin typeface="Trebuchet MS"/>
-                <a:cs typeface="Trebuchet MS"/>
-              </a:rPr>
-              <a:t>SUNDARI</a:t>
-            </a:r>
-            <a:endParaRPr sz="2400" dirty="0">
-              <a:latin typeface="Trebuchet MS"/>
-              <a:cs typeface="Trebuchet MS"/>
-            </a:endParaRPr>
+              <a:t>Ali Ansari                         (K181077)</a:t>
+            </a:r>
           </a:p>
         </p:txBody>
       </p:sp>
@@ -6190,8 +6187,8 @@
         </p:nvSpPr>
         <p:spPr>
           <a:xfrm>
-            <a:off x="3938778" y="763599"/>
-            <a:ext cx="4314190" cy="635000"/>
+            <a:off x="2504628" y="385948"/>
+            <a:ext cx="6731001" cy="935513"/>
           </a:xfrm>
           <a:prstGeom prst="rect">
             <a:avLst/>
@@ -6212,15 +6209,15 @@
               </a:spcBef>
             </a:pPr>
             <a:r>
-              <a:rPr spc="-475" dirty="0"/>
+              <a:rPr sz="6000" spc="-475" dirty="0"/>
               <a:t>MODEL</a:t>
             </a:r>
             <a:r>
-              <a:rPr spc="-40" dirty="0"/>
+              <a:rPr sz="6000" spc="-40" dirty="0"/>
               <a:t> </a:t>
             </a:r>
             <a:r>
-              <a:rPr spc="-459" dirty="0"/>
+              <a:rPr sz="6000" spc="-459" dirty="0"/>
               <a:t>EVALUATION</a:t>
             </a:r>
           </a:p>
@@ -6943,8 +6940,8 @@
         </p:nvSpPr>
         <p:spPr>
           <a:xfrm>
-            <a:off x="4877561" y="763599"/>
-            <a:ext cx="2435860" cy="635000"/>
+            <a:off x="4380292" y="688080"/>
+            <a:ext cx="3428239" cy="935513"/>
           </a:xfrm>
           <a:prstGeom prst="rect">
             <a:avLst/>
@@ -6965,15 +6962,15 @@
               </a:spcBef>
             </a:pPr>
             <a:r>
-              <a:rPr spc="-575" dirty="0"/>
+              <a:rPr sz="6000" spc="-575" dirty="0"/>
               <a:t>NEXT</a:t>
             </a:r>
             <a:r>
-              <a:rPr spc="-90" dirty="0"/>
+              <a:rPr sz="6000" spc="-90" dirty="0"/>
               <a:t> </a:t>
             </a:r>
             <a:r>
-              <a:rPr spc="-725" dirty="0"/>
+              <a:rPr sz="6000" spc="-725" dirty="0"/>
               <a:t>STEPS</a:t>
             </a:r>
           </a:p>
@@ -6990,6 +6987,10 @@
           </p:nvPr>
         </p:nvSpPr>
         <p:spPr>
+          <a:xfrm>
+            <a:off x="1141412" y="2667000"/>
+            <a:ext cx="9905998" cy="2010615"/>
+          </a:xfrm>
           <a:prstGeom prst="rect">
             <a:avLst/>
           </a:prstGeom>
@@ -7223,110 +7224,11 @@
             </a:r>
             <a:r>
               <a:rPr spc="-190" dirty="0"/>
-              <a:t>extensions </a:t>
-            </a:r>
-            <a:r>
-              <a:rPr spc="-5" dirty="0"/>
-              <a:t>of  </a:t>
-            </a:r>
-            <a:r>
-              <a:rPr spc="-95" dirty="0"/>
-              <a:t>developing </a:t>
-            </a:r>
-            <a:r>
-              <a:rPr spc="-15" dirty="0"/>
-              <a:t>a</a:t>
-            </a:r>
-            <a:r>
-              <a:rPr spc="80" dirty="0"/>
-              <a:t> </a:t>
+              <a:t>extensions</a:t>
             </a:r>
             <a:r>
               <a:rPr spc="-150" dirty="0"/>
-              <a:t>GUI.</a:t>
-            </a:r>
-          </a:p>
-          <a:p>
-            <a:pPr marL="718820" marR="5080" indent="-228600">
-              <a:lnSpc>
-                <a:spcPct val="120000"/>
-              </a:lnSpc>
-              <a:spcBef>
-                <a:spcPts val="1000"/>
-              </a:spcBef>
-              <a:buSzPct val="125000"/>
-              <a:buChar char="•"/>
-              <a:tabLst>
-                <a:tab pos="719455" algn="l"/>
-              </a:tabLst>
-            </a:pPr>
-            <a:r>
-              <a:rPr spc="-275" dirty="0"/>
-              <a:t>These </a:t>
-            </a:r>
-            <a:r>
-              <a:rPr spc="-190" dirty="0"/>
-              <a:t>should </a:t>
-            </a:r>
-            <a:r>
-              <a:rPr spc="-125" dirty="0"/>
-              <a:t>classify </a:t>
-            </a:r>
-            <a:r>
-              <a:rPr spc="-145" dirty="0"/>
-              <a:t>the </a:t>
-            </a:r>
-            <a:r>
-              <a:rPr spc="-100" dirty="0"/>
-              <a:t>inputted </a:t>
-            </a:r>
-            <a:r>
-              <a:rPr spc="-409" dirty="0"/>
-              <a:t>URL </a:t>
-            </a:r>
-            <a:r>
-              <a:rPr spc="-80" dirty="0"/>
-              <a:t>to legitimate </a:t>
-            </a:r>
-            <a:r>
-              <a:rPr spc="-70" dirty="0"/>
-              <a:t>or </a:t>
-            </a:r>
-            <a:r>
-              <a:rPr spc="-160" dirty="0"/>
-              <a:t>phishing </a:t>
-            </a:r>
-            <a:r>
-              <a:rPr spc="-110" dirty="0"/>
-              <a:t>with </a:t>
-            </a:r>
-            <a:r>
-              <a:rPr spc="-145" dirty="0"/>
-              <a:t>the </a:t>
-            </a:r>
-            <a:r>
-              <a:rPr spc="-275" dirty="0"/>
-              <a:t>use </a:t>
-            </a:r>
-            <a:r>
-              <a:rPr spc="-5" dirty="0"/>
-              <a:t>of  </a:t>
-            </a:r>
-            <a:r>
-              <a:rPr spc="-145" dirty="0"/>
-              <a:t>the </a:t>
-            </a:r>
-            <a:r>
-              <a:rPr spc="-155" dirty="0"/>
-              <a:t>saved</a:t>
-            </a:r>
-            <a:r>
-              <a:rPr spc="120" dirty="0"/>
-              <a:t> </a:t>
-            </a:r>
-            <a:r>
-              <a:rPr spc="-140" dirty="0"/>
-              <a:t>model.</a:t>
+              <a:t>.</a:t>
             </a:r>
           </a:p>
         </p:txBody>
@@ -7358,35 +7260,6 @@
       </p:grpSpPr>
       <p:sp>
         <p:nvSpPr>
-          <p:cNvPr id="3" name="object 3"/>
-          <p:cNvSpPr/>
-          <p:nvPr/>
-        </p:nvSpPr>
-        <p:spPr>
-          <a:xfrm>
-            <a:off x="1748027" y="2292095"/>
-            <a:ext cx="8720328" cy="2650235"/>
-          </a:xfrm>
-          <a:prstGeom prst="rect">
-            <a:avLst/>
-          </a:prstGeom>
-          <a:blipFill>
-            <a:blip r:embed="rId2" cstate="print"/>
-            <a:stretch>
-              <a:fillRect/>
-            </a:stretch>
-          </a:blipFill>
-        </p:spPr>
-        <p:txBody>
-          <a:bodyPr wrap="square" lIns="0" tIns="0" rIns="0" bIns="0" rtlCol="0"/>
-          <a:lstStyle/>
-          <a:p>
-            <a:endParaRPr/>
-          </a:p>
-        </p:txBody>
-      </p:sp>
-      <p:sp>
-        <p:nvSpPr>
           <p:cNvPr id="4" name="object 4"/>
           <p:cNvSpPr txBox="1">
             <a:spLocks noGrp="1"/>
@@ -7397,8 +7270,8 @@
         </p:nvSpPr>
         <p:spPr>
           <a:xfrm>
-            <a:off x="2499105" y="2609469"/>
-            <a:ext cx="7191375" cy="1488440"/>
+            <a:off x="1714500" y="2684780"/>
+            <a:ext cx="8763000" cy="1488440"/>
           </a:xfrm>
           <a:prstGeom prst="rect">
             <a:avLst/>
@@ -7448,7 +7321,7 @@
               </a:rPr>
               <a:t>You…..</a:t>
             </a:r>
-            <a:endParaRPr sz="9600">
+            <a:endParaRPr sz="9600" dirty="0">
               <a:latin typeface="Trebuchet MS"/>
               <a:cs typeface="Trebuchet MS"/>
             </a:endParaRPr>
@@ -7492,8 +7365,8 @@
         </p:nvSpPr>
         <p:spPr>
           <a:xfrm>
-            <a:off x="4367529" y="747775"/>
-            <a:ext cx="3324225" cy="635000"/>
+            <a:off x="2743201" y="597520"/>
+            <a:ext cx="6553200" cy="935513"/>
           </a:xfrm>
           <a:prstGeom prst="rect">
             <a:avLst/>
@@ -7505,7 +7378,7 @@
           </a:bodyPr>
           <a:lstStyle/>
           <a:p>
-            <a:pPr marL="12700">
+            <a:pPr marL="12700" algn="ctr">
               <a:lnSpc>
                 <a:spcPct val="100000"/>
               </a:lnSpc>
@@ -7514,7 +7387,7 @@
               </a:spcBef>
             </a:pPr>
             <a:r>
-              <a:rPr spc="-395" dirty="0"/>
+              <a:rPr sz="6000" spc="-395" dirty="0"/>
               <a:t>INTRODUCTION</a:t>
             </a:r>
           </a:p>
@@ -9736,8 +9609,8 @@
         </p:nvSpPr>
         <p:spPr>
           <a:xfrm>
-            <a:off x="4837938" y="929716"/>
-            <a:ext cx="2512695" cy="635000"/>
+            <a:off x="3823652" y="609600"/>
+            <a:ext cx="4607433" cy="1027845"/>
           </a:xfrm>
           <a:prstGeom prst="rect">
             <a:avLst/>
@@ -9758,9 +9631,10 @@
               </a:spcBef>
             </a:pPr>
             <a:r>
-              <a:rPr spc="-535" dirty="0"/>
+              <a:rPr sz="6600" spc="-535" dirty="0"/>
               <a:t>OBJECTIVES</a:t>
             </a:r>
+            <a:endParaRPr spc="-535" dirty="0"/>
           </a:p>
         </p:txBody>
       </p:sp>
@@ -10577,8 +10451,8 @@
         </p:nvSpPr>
         <p:spPr>
           <a:xfrm>
-            <a:off x="4906517" y="929716"/>
-            <a:ext cx="2376170" cy="635000"/>
+            <a:off x="4131056" y="545576"/>
+            <a:ext cx="3929887" cy="935513"/>
           </a:xfrm>
           <a:prstGeom prst="rect">
             <a:avLst/>
@@ -10599,19 +10473,19 @@
               </a:spcBef>
             </a:pPr>
             <a:r>
-              <a:rPr spc="-490" dirty="0"/>
+              <a:rPr sz="6000" spc="-490" dirty="0"/>
               <a:t>APPR</a:t>
             </a:r>
             <a:r>
-              <a:rPr spc="-635" dirty="0"/>
+              <a:rPr sz="6000" spc="-635" dirty="0"/>
               <a:t>O</a:t>
             </a:r>
             <a:r>
-              <a:rPr spc="-415" dirty="0"/>
+              <a:rPr sz="6000" spc="-415" dirty="0"/>
               <a:t>A</a:t>
             </a:r>
             <a:r>
-              <a:rPr spc="-475" dirty="0"/>
+              <a:rPr sz="6000" spc="-475" dirty="0"/>
               <a:t>CH</a:t>
             </a:r>
           </a:p>
@@ -11773,8 +11647,8 @@
         </p:nvSpPr>
         <p:spPr>
           <a:xfrm>
-            <a:off x="4123182" y="929716"/>
-            <a:ext cx="3942079" cy="635000"/>
+            <a:off x="2711069" y="566223"/>
+            <a:ext cx="6769861" cy="935513"/>
           </a:xfrm>
           <a:prstGeom prst="rect">
             <a:avLst/>
@@ -11795,15 +11669,15 @@
               </a:spcBef>
             </a:pPr>
             <a:r>
-              <a:rPr spc="-515" dirty="0"/>
+              <a:rPr sz="6000" spc="-515" dirty="0"/>
               <a:t>DATA</a:t>
             </a:r>
             <a:r>
-              <a:rPr spc="-95" dirty="0"/>
+              <a:rPr sz="6000" spc="-95" dirty="0"/>
               <a:t> </a:t>
             </a:r>
             <a:r>
-              <a:rPr spc="-445" dirty="0"/>
+              <a:rPr sz="6000" spc="-445" dirty="0"/>
               <a:t>COLLECTION</a:t>
             </a:r>
           </a:p>
@@ -12590,8 +12464,8 @@
         </p:nvSpPr>
         <p:spPr>
           <a:xfrm>
-            <a:off x="4014978" y="929716"/>
-            <a:ext cx="4161790" cy="635000"/>
+            <a:off x="3112389" y="622369"/>
+            <a:ext cx="5967222" cy="935513"/>
           </a:xfrm>
           <a:prstGeom prst="rect">
             <a:avLst/>
@@ -12612,15 +12486,15 @@
               </a:spcBef>
             </a:pPr>
             <a:r>
-              <a:rPr spc="-720" dirty="0"/>
+              <a:rPr sz="6000" spc="-720" dirty="0"/>
               <a:t>FEATURE</a:t>
             </a:r>
             <a:r>
-              <a:rPr spc="-475" dirty="0"/>
+              <a:rPr sz="6000" spc="-475" dirty="0"/>
               <a:t> </a:t>
             </a:r>
             <a:r>
-              <a:rPr spc="-540" dirty="0"/>
+              <a:rPr sz="6000" spc="-540" dirty="0"/>
               <a:t>SELECTION</a:t>
             </a:r>
           </a:p>
@@ -13839,8 +13713,8 @@
         </p:nvSpPr>
         <p:spPr>
           <a:xfrm>
-            <a:off x="3301365" y="929716"/>
-            <a:ext cx="5585460" cy="635000"/>
+            <a:off x="1574482" y="556664"/>
+            <a:ext cx="9043035" cy="935513"/>
           </a:xfrm>
           <a:prstGeom prst="rect">
             <a:avLst/>
@@ -13861,26 +13735,26 @@
               </a:spcBef>
             </a:pPr>
             <a:r>
-              <a:rPr spc="-720" dirty="0"/>
+              <a:rPr sz="6000" spc="-720" dirty="0"/>
               <a:t>FEATURE</a:t>
             </a:r>
             <a:r>
-              <a:rPr spc="-330" dirty="0"/>
+              <a:rPr sz="6000" spc="-330" dirty="0"/>
               <a:t> </a:t>
             </a:r>
             <a:r>
-              <a:rPr spc="-540" dirty="0"/>
+              <a:rPr sz="6000" spc="-540" dirty="0"/>
               <a:t>SELECTION</a:t>
             </a:r>
             <a:r>
-              <a:rPr spc="-155" dirty="0"/>
+              <a:rPr sz="6000" spc="-155" dirty="0"/>
               <a:t> </a:t>
             </a:r>
             <a:r>
-              <a:rPr sz="3200" spc="-285" dirty="0"/>
+              <a:rPr sz="6000" spc="-285" dirty="0"/>
               <a:t>(CONT.)</a:t>
             </a:r>
-            <a:endParaRPr sz="3200"/>
+            <a:endParaRPr sz="6000" dirty="0"/>
           </a:p>
         </p:txBody>
       </p:sp>
@@ -14874,8 +14748,8 @@
         </p:nvSpPr>
         <p:spPr>
           <a:xfrm>
-            <a:off x="3581780" y="929716"/>
-            <a:ext cx="5026025" cy="635000"/>
+            <a:off x="2286190" y="381000"/>
+            <a:ext cx="7619620" cy="935513"/>
           </a:xfrm>
           <a:prstGeom prst="rect">
             <a:avLst/>
@@ -14896,15 +14770,15 @@
               </a:spcBef>
             </a:pPr>
             <a:r>
-              <a:rPr spc="-715" dirty="0"/>
+              <a:rPr sz="6000" spc="-715" dirty="0"/>
               <a:t>FEATURES</a:t>
             </a:r>
             <a:r>
-              <a:rPr spc="-440" dirty="0"/>
+              <a:rPr sz="6000" spc="-440" dirty="0"/>
               <a:t> </a:t>
             </a:r>
             <a:r>
-              <a:rPr spc="-470" dirty="0"/>
+              <a:rPr sz="6000" spc="-470" dirty="0"/>
               <a:t>DISTRIBUTION</a:t>
             </a:r>
           </a:p>
@@ -14975,6 +14849,10 @@
           </p:nvPr>
         </p:nvSpPr>
         <p:spPr>
+          <a:xfrm>
+            <a:off x="1143001" y="544433"/>
+            <a:ext cx="9905998" cy="935513"/>
+          </a:xfrm>
           <a:prstGeom prst="rect">
             <a:avLst/>
           </a:prstGeom>
@@ -14994,19 +14872,19 @@
               </a:spcBef>
             </a:pPr>
             <a:r>
-              <a:rPr spc="-430" dirty="0"/>
+              <a:rPr sz="6000" spc="-430" dirty="0"/>
               <a:t>MACHINE </a:t>
             </a:r>
             <a:r>
-              <a:rPr spc="-434" dirty="0"/>
+              <a:rPr sz="6000" spc="-434" dirty="0"/>
               <a:t>LEARNING</a:t>
             </a:r>
             <a:r>
-              <a:rPr spc="-330" dirty="0"/>
+              <a:rPr sz="6000" spc="-330" dirty="0"/>
               <a:t> </a:t>
             </a:r>
             <a:r>
-              <a:rPr spc="-505" dirty="0"/>
+              <a:rPr sz="6000" spc="-505" dirty="0"/>
               <a:t>MODELS</a:t>
             </a:r>
           </a:p>
@@ -15021,7 +14899,7 @@
         <p:spPr>
           <a:xfrm>
             <a:off x="1547875" y="1883410"/>
-            <a:ext cx="9665335" cy="3962400"/>
+            <a:ext cx="9665335" cy="2902718"/>
           </a:xfrm>
           <a:prstGeom prst="rect">
             <a:avLst/>
@@ -15176,7 +15054,7 @@
               </a:rPr>
               <a:t>supervised</a:t>
             </a:r>
-            <a:endParaRPr sz="2200">
+            <a:endParaRPr sz="2200" dirty="0">
               <a:latin typeface="Arial"/>
               <a:cs typeface="Arial"/>
             </a:endParaRPr>
@@ -15267,7 +15145,7 @@
               </a:rPr>
               <a:t>regression.</a:t>
             </a:r>
-            <a:endParaRPr sz="2200">
+            <a:endParaRPr sz="2200" dirty="0">
               <a:latin typeface="Arial"/>
               <a:cs typeface="Arial"/>
             </a:endParaRPr>
@@ -15626,56 +15504,7 @@
               </a:rPr>
               <a:t>are:</a:t>
             </a:r>
-            <a:endParaRPr sz="2200">
-              <a:latin typeface="Arial"/>
-              <a:cs typeface="Arial"/>
-            </a:endParaRPr>
-          </a:p>
-          <a:p>
-            <a:pPr marL="698500" lvl="1" indent="-229235">
-              <a:lnSpc>
-                <a:spcPct val="100000"/>
-              </a:lnSpc>
-              <a:spcBef>
-                <a:spcPts val="515"/>
-              </a:spcBef>
-              <a:buSzPct val="123684"/>
-              <a:buChar char="•"/>
-              <a:tabLst>
-                <a:tab pos="699135" algn="l"/>
-              </a:tabLst>
-            </a:pPr>
-            <a:r>
-              <a:rPr sz="1900" spc="-155" dirty="0">
-                <a:solidFill>
-                  <a:srgbClr val="FFFFFF"/>
-                </a:solidFill>
-                <a:latin typeface="Arial"/>
-                <a:cs typeface="Arial"/>
-              </a:rPr>
-              <a:t>Decision</a:t>
-            </a:r>
-            <a:r>
-              <a:rPr sz="1900" spc="-10" dirty="0">
-                <a:solidFill>
-                  <a:srgbClr val="FFFFFF"/>
-                </a:solidFill>
-                <a:latin typeface="Arial"/>
-                <a:cs typeface="Arial"/>
-              </a:rPr>
-              <a:t> </a:t>
-            </a:r>
-            <a:r>
-              <a:rPr sz="1900" spc="-165" dirty="0">
-                <a:solidFill>
-                  <a:srgbClr val="FFFFFF"/>
-                </a:solidFill>
-                <a:latin typeface="Arial"/>
-                <a:cs typeface="Arial"/>
-              </a:rPr>
-              <a:t>Tree</a:t>
-            </a:r>
-            <a:endParaRPr sz="1900">
+            <a:endParaRPr sz="1900" dirty="0">
               <a:latin typeface="Arial"/>
               <a:cs typeface="Arial"/>
             </a:endParaRPr>
@@ -15724,7 +15553,36 @@
               </a:rPr>
               <a:t>Forest</a:t>
             </a:r>
-            <a:endParaRPr sz="1900">
+            <a:endParaRPr sz="1900" dirty="0">
+              <a:latin typeface="Arial"/>
+              <a:cs typeface="Arial"/>
+            </a:endParaRPr>
+          </a:p>
+          <a:p>
+            <a:pPr marL="698500" lvl="1" indent="-229235">
+              <a:lnSpc>
+                <a:spcPct val="100000"/>
+              </a:lnSpc>
+              <a:spcBef>
+                <a:spcPts val="490"/>
+              </a:spcBef>
+              <a:buSzPct val="123684"/>
+              <a:buChar char="•"/>
+              <a:tabLst>
+                <a:tab pos="699135" algn="l"/>
+              </a:tabLst>
+            </a:pPr>
+            <a:r>
+              <a:rPr sz="1900" spc="-170" dirty="0" err="1">
+                <a:solidFill>
+                  <a:srgbClr val="FFFFFF"/>
+                </a:solidFill>
+                <a:latin typeface="Arial"/>
+                <a:cs typeface="Arial"/>
+              </a:rPr>
+              <a:t>XGBoost</a:t>
+            </a:r>
+            <a:endParaRPr sz="1900" dirty="0">
               <a:latin typeface="Arial"/>
               <a:cs typeface="Arial"/>
             </a:endParaRPr>
@@ -15744,17 +15602,27 @@
               </a:tabLst>
             </a:pPr>
             <a:r>
-              <a:rPr sz="1900" spc="-60" dirty="0">
-                <a:solidFill>
-                  <a:srgbClr val="FFFFFF"/>
-                </a:solidFill>
-                <a:latin typeface="Arial"/>
-                <a:cs typeface="Arial"/>
-              </a:rPr>
-              <a:t>Multilayer</a:t>
-            </a:r>
-            <a:r>
-              <a:rPr sz="1900" spc="-10" dirty="0">
+              <a:rPr sz="1900" spc="-100" dirty="0">
+                <a:solidFill>
+                  <a:srgbClr val="FFFFFF"/>
+                </a:solidFill>
+                <a:latin typeface="Arial"/>
+                <a:cs typeface="Arial"/>
+              </a:rPr>
+              <a:t>Support </a:t>
+            </a:r>
+            <a:r>
+              <a:rPr sz="1900" spc="-120" dirty="0">
+                <a:solidFill>
+                  <a:srgbClr val="FFFFFF"/>
+                </a:solidFill>
+                <a:latin typeface="Arial"/>
+                <a:cs typeface="Arial"/>
+              </a:rPr>
+              <a:t>Vector</a:t>
+            </a:r>
+            <a:r>
+              <a:rPr sz="1900" spc="120" dirty="0">
                 <a:solidFill>
                   <a:srgbClr val="FFFFFF"/>
                 </a:solidFill>
@@ -15764,153 +15632,6 @@
               <a:t> </a:t>
             </a:r>
             <a:r>
-              <a:rPr sz="1900" spc="-145" dirty="0">
-                <a:solidFill>
-                  <a:srgbClr val="FFFFFF"/>
-                </a:solidFill>
-                <a:latin typeface="Arial"/>
-                <a:cs typeface="Arial"/>
-              </a:rPr>
-              <a:t>Perceptrons</a:t>
-            </a:r>
-            <a:endParaRPr sz="1900">
-              <a:latin typeface="Arial"/>
-              <a:cs typeface="Arial"/>
-            </a:endParaRPr>
-          </a:p>
-          <a:p>
-            <a:pPr marL="698500" lvl="1" indent="-229235">
-              <a:lnSpc>
-                <a:spcPct val="100000"/>
-              </a:lnSpc>
-              <a:spcBef>
-                <a:spcPts val="490"/>
-              </a:spcBef>
-              <a:buSzPct val="123684"/>
-              <a:buChar char="•"/>
-              <a:tabLst>
-                <a:tab pos="699135" algn="l"/>
-              </a:tabLst>
-            </a:pPr>
-            <a:r>
-              <a:rPr sz="1900" spc="-170" dirty="0">
-                <a:solidFill>
-                  <a:srgbClr val="FFFFFF"/>
-                </a:solidFill>
-                <a:latin typeface="Arial"/>
-                <a:cs typeface="Arial"/>
-              </a:rPr>
-              <a:t>XGBoost</a:t>
-            </a:r>
-            <a:endParaRPr sz="1900">
-              <a:latin typeface="Arial"/>
-              <a:cs typeface="Arial"/>
-            </a:endParaRPr>
-          </a:p>
-          <a:p>
-            <a:pPr marL="698500" lvl="1" indent="-229235">
-              <a:lnSpc>
-                <a:spcPct val="100000"/>
-              </a:lnSpc>
-              <a:spcBef>
-                <a:spcPts val="505"/>
-              </a:spcBef>
-              <a:buSzPct val="123684"/>
-              <a:buChar char="•"/>
-              <a:tabLst>
-                <a:tab pos="699135" algn="l"/>
-              </a:tabLst>
-            </a:pPr>
-            <a:r>
-              <a:rPr sz="1900" spc="-120" dirty="0">
-                <a:solidFill>
-                  <a:srgbClr val="FFFFFF"/>
-                </a:solidFill>
-                <a:latin typeface="Arial"/>
-                <a:cs typeface="Arial"/>
-              </a:rPr>
-              <a:t>Autoencoder </a:t>
-            </a:r>
-            <a:r>
-              <a:rPr sz="1900" spc="-85" dirty="0">
-                <a:solidFill>
-                  <a:srgbClr val="FFFFFF"/>
-                </a:solidFill>
-                <a:latin typeface="Arial"/>
-                <a:cs typeface="Arial"/>
-              </a:rPr>
-              <a:t>Neural</a:t>
-            </a:r>
-            <a:r>
-              <a:rPr sz="1900" spc="-245" dirty="0">
-                <a:solidFill>
-                  <a:srgbClr val="FFFFFF"/>
-                </a:solidFill>
-                <a:latin typeface="Arial"/>
-                <a:cs typeface="Arial"/>
-              </a:rPr>
-              <a:t> </a:t>
-            </a:r>
-            <a:r>
-              <a:rPr sz="1900" spc="-85" dirty="0">
-                <a:solidFill>
-                  <a:srgbClr val="FFFFFF"/>
-                </a:solidFill>
-                <a:latin typeface="Arial"/>
-                <a:cs typeface="Arial"/>
-              </a:rPr>
-              <a:t>Network</a:t>
-            </a:r>
-            <a:endParaRPr sz="1900">
-              <a:latin typeface="Arial"/>
-              <a:cs typeface="Arial"/>
-            </a:endParaRPr>
-          </a:p>
-          <a:p>
-            <a:pPr marL="698500" lvl="1" indent="-229235">
-              <a:lnSpc>
-                <a:spcPct val="100000"/>
-              </a:lnSpc>
-              <a:spcBef>
-                <a:spcPts val="505"/>
-              </a:spcBef>
-              <a:buSzPct val="123684"/>
-              <a:buChar char="•"/>
-              <a:tabLst>
-                <a:tab pos="699135" algn="l"/>
-              </a:tabLst>
-            </a:pPr>
-            <a:r>
-              <a:rPr sz="1900" spc="-100" dirty="0">
-                <a:solidFill>
-                  <a:srgbClr val="FFFFFF"/>
-                </a:solidFill>
-                <a:latin typeface="Arial"/>
-                <a:cs typeface="Arial"/>
-              </a:rPr>
-              <a:t>Support </a:t>
-            </a:r>
-            <a:r>
-              <a:rPr sz="1900" spc="-120" dirty="0">
-                <a:solidFill>
-                  <a:srgbClr val="FFFFFF"/>
-                </a:solidFill>
-                <a:latin typeface="Arial"/>
-                <a:cs typeface="Arial"/>
-              </a:rPr>
-              <a:t>Vector</a:t>
-            </a:r>
-            <a:r>
-              <a:rPr sz="1900" spc="120" dirty="0">
-                <a:solidFill>
-                  <a:srgbClr val="FFFFFF"/>
-                </a:solidFill>
-                <a:latin typeface="Arial"/>
-                <a:cs typeface="Arial"/>
-              </a:rPr>
-              <a:t> </a:t>
-            </a:r>
-            <a:r>
               <a:rPr sz="1900" spc="-150" dirty="0">
                 <a:solidFill>
                   <a:srgbClr val="FFFFFF"/>
@@ -15920,7 +15641,7 @@
               </a:rPr>
               <a:t>Machines</a:t>
             </a:r>
-            <a:endParaRPr sz="1900">
+            <a:endParaRPr sz="1900" dirty="0">
               <a:latin typeface="Arial"/>
               <a:cs typeface="Arial"/>
             </a:endParaRPr>

--- a/Phishing Website Detection by Machine Learning Techniques.pptx
+++ b/Phishing Website Detection by Machine Learning Techniques.pptx
@@ -336,7 +336,7 @@
           <a:p>
             <a:fld id="{1D8BD707-D9CF-40AE-B4C6-C98DA3205C09}" type="datetimeFigureOut">
               <a:rPr lang="en-US" smtClean="0"/>
-              <a:t>12/20/2021</a:t>
+              <a:t>12/26/2021</a:t>
             </a:fld>
             <a:endParaRPr lang="en-US"/>
           </a:p>
@@ -627,7 +627,7 @@
           <a:p>
             <a:fld id="{1D8BD707-D9CF-40AE-B4C6-C98DA3205C09}" type="datetimeFigureOut">
               <a:rPr lang="en-US" smtClean="0"/>
-              <a:t>12/20/2021</a:t>
+              <a:t>12/26/2021</a:t>
             </a:fld>
             <a:endParaRPr lang="en-US"/>
           </a:p>
@@ -875,7 +875,7 @@
           <a:p>
             <a:fld id="{1D8BD707-D9CF-40AE-B4C6-C98DA3205C09}" type="datetimeFigureOut">
               <a:rPr lang="en-US" smtClean="0"/>
-              <a:t>12/20/2021</a:t>
+              <a:t>12/26/2021</a:t>
             </a:fld>
             <a:endParaRPr lang="en-US"/>
           </a:p>
@@ -1411,7 +1411,7 @@
           <a:p>
             <a:fld id="{1D8BD707-D9CF-40AE-B4C6-C98DA3205C09}" type="datetimeFigureOut">
               <a:rPr lang="en-US" smtClean="0"/>
-              <a:t>12/20/2021</a:t>
+              <a:t>12/26/2021</a:t>
             </a:fld>
             <a:endParaRPr lang="en-US"/>
           </a:p>
@@ -1659,7 +1659,7 @@
           <a:p>
             <a:fld id="{1D8BD707-D9CF-40AE-B4C6-C98DA3205C09}" type="datetimeFigureOut">
               <a:rPr lang="en-US" smtClean="0"/>
-              <a:t>12/20/2021</a:t>
+              <a:t>12/26/2021</a:t>
             </a:fld>
             <a:endParaRPr lang="en-US"/>
           </a:p>
@@ -2202,7 +2202,7 @@
           <a:p>
             <a:fld id="{1D8BD707-D9CF-40AE-B4C6-C98DA3205C09}" type="datetimeFigureOut">
               <a:rPr lang="en-US" smtClean="0"/>
-              <a:t>12/20/2021</a:t>
+              <a:t>12/26/2021</a:t>
             </a:fld>
             <a:endParaRPr lang="en-US"/>
           </a:p>
@@ -2512,7 +2512,7 @@
           <a:p>
             <a:fld id="{1D8BD707-D9CF-40AE-B4C6-C98DA3205C09}" type="datetimeFigureOut">
               <a:rPr lang="en-US" smtClean="0"/>
-              <a:t>12/20/2021</a:t>
+              <a:t>12/26/2021</a:t>
             </a:fld>
             <a:endParaRPr lang="en-US"/>
           </a:p>
@@ -2687,7 +2687,7 @@
           <a:p>
             <a:fld id="{1D8BD707-D9CF-40AE-B4C6-C98DA3205C09}" type="datetimeFigureOut">
               <a:rPr lang="en-US" smtClean="0"/>
-              <a:t>12/20/2021</a:t>
+              <a:t>12/26/2021</a:t>
             </a:fld>
             <a:endParaRPr lang="en-US"/>
           </a:p>
@@ -2867,7 +2867,7 @@
           <a:p>
             <a:fld id="{1D8BD707-D9CF-40AE-B4C6-C98DA3205C09}" type="datetimeFigureOut">
               <a:rPr lang="en-US" smtClean="0"/>
-              <a:t>12/20/2021</a:t>
+              <a:t>12/26/2021</a:t>
             </a:fld>
             <a:endParaRPr lang="en-US"/>
           </a:p>
@@ -3079,7 +3079,7 @@
           <a:p>
             <a:fld id="{1D8BD707-D9CF-40AE-B4C6-C98DA3205C09}" type="datetimeFigureOut">
               <a:rPr lang="en-US"/>
-              <a:t>12/20/2021</a:t>
+              <a:t>12/26/2021</a:t>
             </a:fld>
             <a:endParaRPr lang="en-US"/>
           </a:p>
@@ -3239,7 +3239,7 @@
           <a:p>
             <a:fld id="{1D8BD707-D9CF-40AE-B4C6-C98DA3205C09}" type="datetimeFigureOut">
               <a:rPr lang="en-US" smtClean="0"/>
-              <a:t>12/20/2021</a:t>
+              <a:t>12/26/2021</a:t>
             </a:fld>
             <a:endParaRPr lang="en-US"/>
           </a:p>
@@ -3485,7 +3485,7 @@
           <a:p>
             <a:fld id="{1D8BD707-D9CF-40AE-B4C6-C98DA3205C09}" type="datetimeFigureOut">
               <a:rPr lang="en-US" smtClean="0"/>
-              <a:t>12/20/2021</a:t>
+              <a:t>12/26/2021</a:t>
             </a:fld>
             <a:endParaRPr lang="en-US"/>
           </a:p>
@@ -3777,7 +3777,7 @@
           <a:p>
             <a:fld id="{1D8BD707-D9CF-40AE-B4C6-C98DA3205C09}" type="datetimeFigureOut">
               <a:rPr lang="en-US" smtClean="0"/>
-              <a:t>12/20/2021</a:t>
+              <a:t>12/26/2021</a:t>
             </a:fld>
             <a:endParaRPr lang="en-US"/>
           </a:p>
@@ -4207,7 +4207,7 @@
           <a:p>
             <a:fld id="{1D8BD707-D9CF-40AE-B4C6-C98DA3205C09}" type="datetimeFigureOut">
               <a:rPr lang="en-US" smtClean="0"/>
-              <a:t>12/20/2021</a:t>
+              <a:t>12/26/2021</a:t>
             </a:fld>
             <a:endParaRPr lang="en-US"/>
           </a:p>
@@ -4330,7 +4330,7 @@
           <a:p>
             <a:fld id="{1D8BD707-D9CF-40AE-B4C6-C98DA3205C09}" type="datetimeFigureOut">
               <a:rPr lang="en-US" smtClean="0"/>
-              <a:t>12/20/2021</a:t>
+              <a:t>12/26/2021</a:t>
             </a:fld>
             <a:endParaRPr lang="en-US"/>
           </a:p>
@@ -4425,7 +4425,7 @@
           <a:p>
             <a:fld id="{1D8BD707-D9CF-40AE-B4C6-C98DA3205C09}" type="datetimeFigureOut">
               <a:rPr lang="en-US" smtClean="0"/>
-              <a:t>12/20/2021</a:t>
+              <a:t>12/26/2021</a:t>
             </a:fld>
             <a:endParaRPr lang="en-US"/>
           </a:p>
@@ -4708,7 +4708,7 @@
           <a:p>
             <a:fld id="{1D8BD707-D9CF-40AE-B4C6-C98DA3205C09}" type="datetimeFigureOut">
               <a:rPr lang="en-US" smtClean="0"/>
-              <a:t>12/20/2021</a:t>
+              <a:t>12/26/2021</a:t>
             </a:fld>
             <a:endParaRPr lang="en-US"/>
           </a:p>
@@ -4999,7 +4999,7 @@
           <a:p>
             <a:fld id="{1D8BD707-D9CF-40AE-B4C6-C98DA3205C09}" type="datetimeFigureOut">
               <a:rPr lang="en-US" smtClean="0"/>
-              <a:t>12/20/2021</a:t>
+              <a:t>12/26/2021</a:t>
             </a:fld>
             <a:endParaRPr lang="en-US"/>
           </a:p>
@@ -5230,7 +5230,7 @@
           <a:p>
             <a:fld id="{1D8BD707-D9CF-40AE-B4C6-C98DA3205C09}" type="datetimeFigureOut">
               <a:rPr lang="en-US" smtClean="0"/>
-              <a:t>12/20/2021</a:t>
+              <a:t>12/26/2021</a:t>
             </a:fld>
             <a:endParaRPr lang="en-US"/>
           </a:p>
@@ -6143,7 +6143,7 @@
               </a:rPr>
               <a:t>TECHNIQUES</a:t>
             </a:r>
-            <a:endParaRPr sz="5400">
+            <a:endParaRPr sz="5400" dirty="0">
               <a:latin typeface="Trebuchet MS"/>
               <a:cs typeface="Trebuchet MS"/>
             </a:endParaRPr>
@@ -6874,35 +6874,36 @@
           </a:p>
         </p:txBody>
       </p:sp>
-      <p:sp>
-        <p:nvSpPr>
-          <p:cNvPr id="6" name="object 6"/>
-          <p:cNvSpPr/>
+      <p:pic>
+        <p:nvPicPr>
+          <p:cNvPr id="7" name="Picture 6">
+            <a:extLst>
+              <a:ext uri="{FF2B5EF4-FFF2-40B4-BE49-F238E27FC236}">
+                <a16:creationId xmlns:a16="http://schemas.microsoft.com/office/drawing/2014/main" id="{6888F435-89C7-4480-885C-C548DF5FB431}"/>
+              </a:ext>
+            </a:extLst>
+          </p:cNvPr>
+          <p:cNvPicPr>
+            <a:picLocks noChangeAspect="1"/>
+          </p:cNvPicPr>
           <p:nvPr/>
-        </p:nvSpPr>
+        </p:nvPicPr>
+        <p:blipFill>
+          <a:blip r:embed="rId2"/>
+          <a:stretch>
+            <a:fillRect/>
+          </a:stretch>
+        </p:blipFill>
         <p:spPr>
           <a:xfrm>
-            <a:off x="3770376" y="2564892"/>
-            <a:ext cx="4305300" cy="2139695"/>
+            <a:off x="3100269" y="2667730"/>
+            <a:ext cx="5539717" cy="1944979"/>
           </a:xfrm>
           <a:prstGeom prst="rect">
             <a:avLst/>
           </a:prstGeom>
-          <a:blipFill>
-            <a:blip r:embed="rId2" cstate="print"/>
-            <a:stretch>
-              <a:fillRect/>
-            </a:stretch>
-          </a:blipFill>
         </p:spPr>
-        <p:txBody>
-          <a:bodyPr wrap="square" lIns="0" tIns="0" rIns="0" bIns="0" rtlCol="0"/>
-          <a:lstStyle/>
-          <a:p>
-            <a:endParaRPr/>
-          </a:p>
-        </p:txBody>
-      </p:sp>
+      </p:pic>
     </p:spTree>
   </p:cSld>
   <p:clrMapOvr>
@@ -14784,35 +14785,46 @@
           </a:p>
         </p:txBody>
       </p:sp>
-      <p:sp>
-        <p:nvSpPr>
-          <p:cNvPr id="4" name="object 4"/>
-          <p:cNvSpPr/>
+      <p:pic>
+        <p:nvPicPr>
+          <p:cNvPr id="1026" name="Picture 2">
+            <a:extLst>
+              <a:ext uri="{FF2B5EF4-FFF2-40B4-BE49-F238E27FC236}">
+                <a16:creationId xmlns:a16="http://schemas.microsoft.com/office/drawing/2014/main" id="{B99EBDC1-1D77-4FAA-AF9C-F6BFD2458E96}"/>
+              </a:ext>
+            </a:extLst>
+          </p:cNvPr>
+          <p:cNvPicPr>
+            <a:picLocks noChangeAspect="1" noChangeArrowheads="1"/>
+          </p:cNvPicPr>
           <p:nvPr/>
-        </p:nvSpPr>
-        <p:spPr>
+        </p:nvPicPr>
+        <p:blipFill>
+          <a:blip r:embed="rId2">
+            <a:extLst>
+              <a:ext uri="{28A0092B-C50C-407E-A947-70E740481C1C}">
+                <a14:useLocalDpi xmlns:a14="http://schemas.microsoft.com/office/drawing/2010/main" val="0"/>
+              </a:ext>
+            </a:extLst>
+          </a:blip>
+          <a:srcRect/>
+          <a:stretch>
+            <a:fillRect/>
+          </a:stretch>
+        </p:blipFill>
+        <p:spPr bwMode="auto">
           <a:xfrm>
-            <a:off x="3480815" y="1642872"/>
-            <a:ext cx="4940808" cy="4696968"/>
+            <a:off x="3443288" y="1355340"/>
+            <a:ext cx="5305424" cy="5121660"/>
           </a:xfrm>
           <a:prstGeom prst="rect">
             <a:avLst/>
           </a:prstGeom>
-          <a:blipFill>
-            <a:blip r:embed="rId2" cstate="print"/>
-            <a:stretch>
-              <a:fillRect/>
-            </a:stretch>
-          </a:blipFill>
+          <a:solidFill>
+            <a:srgbClr val="FFC000"/>
+          </a:solidFill>
         </p:spPr>
-        <p:txBody>
-          <a:bodyPr wrap="square" lIns="0" tIns="0" rIns="0" bIns="0" rtlCol="0"/>
-          <a:lstStyle/>
-          <a:p>
-            <a:endParaRPr/>
-          </a:p>
-        </p:txBody>
-      </p:sp>
+      </p:pic>
     </p:spTree>
   </p:cSld>
   <p:clrMapOvr>

--- a/Phishing Website Detection by Machine Learning Techniques.pptx
+++ b/Phishing Website Detection by Machine Learning Techniques.pptx
@@ -6188,7 +6188,7 @@
         <p:spPr>
           <a:xfrm>
             <a:off x="2504628" y="385948"/>
-            <a:ext cx="6731001" cy="935513"/>
+            <a:ext cx="7096572" cy="935513"/>
           </a:xfrm>
           <a:prstGeom prst="rect">
             <a:avLst/>
@@ -6941,8 +6941,8 @@
         </p:nvSpPr>
         <p:spPr>
           <a:xfrm>
-            <a:off x="4380292" y="688080"/>
-            <a:ext cx="3428239" cy="935513"/>
+            <a:off x="3864957" y="533400"/>
+            <a:ext cx="4458908" cy="935513"/>
           </a:xfrm>
           <a:prstGeom prst="rect">
             <a:avLst/>
@@ -7518,7 +7518,7 @@
               </a:rPr>
               <a:t>cyber attack.</a:t>
             </a:r>
-            <a:endParaRPr sz="2200">
+            <a:endParaRPr sz="2200" dirty="0">
               <a:latin typeface="Arial"/>
               <a:cs typeface="Arial"/>
             </a:endParaRPr>
@@ -8269,7 +8269,7 @@
               </a:rPr>
               <a:t>fraudulently.</a:t>
             </a:r>
-            <a:endParaRPr sz="2200">
+            <a:endParaRPr sz="2200" dirty="0">
               <a:latin typeface="Arial"/>
               <a:cs typeface="Arial"/>
             </a:endParaRPr>
@@ -8358,7 +8358,7 @@
               </a:rPr>
               <a:t>phished,</a:t>
             </a:r>
-            <a:endParaRPr sz="2200">
+            <a:endParaRPr sz="2200" dirty="0">
               <a:latin typeface="Arial"/>
               <a:cs typeface="Arial"/>
             </a:endParaRPr>
@@ -8457,7 +8457,7 @@
               </a:rPr>
               <a:t>websites.</a:t>
             </a:r>
-            <a:endParaRPr sz="1900">
+            <a:endParaRPr sz="1900" dirty="0">
               <a:latin typeface="Arial"/>
               <a:cs typeface="Arial"/>
             </a:endParaRPr>
@@ -8636,7 +8636,7 @@
               </a:rPr>
               <a:t>phishing.</a:t>
             </a:r>
-            <a:endParaRPr sz="1900">
+            <a:endParaRPr sz="1900" dirty="0">
               <a:latin typeface="Arial"/>
               <a:cs typeface="Arial"/>
             </a:endParaRPr>
@@ -8785,7 +8785,7 @@
               </a:rPr>
               <a:t>algorithms.</a:t>
             </a:r>
-            <a:endParaRPr sz="1900">
+            <a:endParaRPr sz="1900" dirty="0">
               <a:latin typeface="Arial"/>
               <a:cs typeface="Arial"/>
             </a:endParaRPr>
@@ -9387,7 +9387,7 @@
               </a:rPr>
               <a:t>methods.</a:t>
             </a:r>
-            <a:endParaRPr sz="2200">
+            <a:endParaRPr sz="2200" dirty="0">
               <a:latin typeface="Arial"/>
               <a:cs typeface="Arial"/>
             </a:endParaRPr>
@@ -9566,7 +9566,7 @@
               </a:rPr>
               <a:t>websites.</a:t>
             </a:r>
-            <a:endParaRPr sz="2200">
+            <a:endParaRPr sz="2200" dirty="0">
               <a:latin typeface="Arial"/>
               <a:cs typeface="Arial"/>
             </a:endParaRPr>
@@ -9648,7 +9648,7 @@
         <p:spPr>
           <a:xfrm>
             <a:off x="1285494" y="2234311"/>
-            <a:ext cx="9683750" cy="3098800"/>
+            <a:ext cx="9763506" cy="2631233"/>
           </a:xfrm>
           <a:prstGeom prst="rect">
             <a:avLst/>
@@ -9956,7 +9956,107 @@
                 <a:latin typeface="Arial"/>
                 <a:cs typeface="Arial"/>
               </a:rPr>
-              <a:t>models </a:t>
+              <a:t>models</a:t>
+            </a:r>
+            <a:r>
+              <a:rPr sz="2400" spc="-215" dirty="0">
+                <a:solidFill>
+                  <a:srgbClr val="FFFFFF"/>
+                </a:solidFill>
+                <a:latin typeface="Arial"/>
+                <a:cs typeface="Arial"/>
+              </a:rPr>
+              <a:t> on </a:t>
+            </a:r>
+            <a:r>
+              <a:rPr sz="2400" spc="-145" dirty="0">
+                <a:solidFill>
+                  <a:srgbClr val="FFFFFF"/>
+                </a:solidFill>
+                <a:latin typeface="Arial"/>
+                <a:cs typeface="Arial"/>
+              </a:rPr>
+              <a:t>the </a:t>
+            </a:r>
+            <a:r>
+              <a:rPr sz="2400" spc="-90" dirty="0">
+                <a:solidFill>
+                  <a:srgbClr val="FFFFFF"/>
+                </a:solidFill>
+                <a:latin typeface="Arial"/>
+                <a:cs typeface="Arial"/>
+              </a:rPr>
+              <a:t>dataset  </a:t>
+            </a:r>
+            <a:r>
+              <a:rPr sz="2400" spc="-85" dirty="0">
+                <a:solidFill>
+                  <a:srgbClr val="FFFFFF"/>
+                </a:solidFill>
+                <a:latin typeface="Arial"/>
+                <a:cs typeface="Arial"/>
+              </a:rPr>
+              <a:t>created </a:t>
+            </a:r>
+            <a:r>
+              <a:rPr sz="2400" spc="-80" dirty="0">
+                <a:solidFill>
+                  <a:srgbClr val="FFFFFF"/>
+                </a:solidFill>
+                <a:latin typeface="Arial"/>
+                <a:cs typeface="Arial"/>
+              </a:rPr>
+              <a:t>to </a:t>
+            </a:r>
+            <a:r>
+              <a:rPr sz="2400" spc="-65" dirty="0">
+                <a:solidFill>
+                  <a:srgbClr val="FFFFFF"/>
+                </a:solidFill>
+                <a:latin typeface="Arial"/>
+                <a:cs typeface="Arial"/>
+              </a:rPr>
+              <a:t>predict </a:t>
+            </a:r>
+            <a:r>
+              <a:rPr sz="2400" spc="-165" dirty="0">
+                <a:solidFill>
+                  <a:srgbClr val="FFFFFF"/>
+                </a:solidFill>
+                <a:latin typeface="Arial"/>
+                <a:cs typeface="Arial"/>
+              </a:rPr>
+              <a:t>phishing </a:t>
+            </a:r>
+            <a:r>
+              <a:rPr sz="2400" spc="-170" dirty="0">
+                <a:solidFill>
+                  <a:srgbClr val="FFFFFF"/>
+                </a:solidFill>
+                <a:latin typeface="Arial"/>
+                <a:cs typeface="Arial"/>
+              </a:rPr>
+              <a:t>websites. </a:t>
+            </a:r>
+            <a:r>
+              <a:rPr sz="2400" spc="-210" dirty="0">
+                <a:solidFill>
+                  <a:srgbClr val="FFFFFF"/>
+                </a:solidFill>
+                <a:latin typeface="Arial"/>
+                <a:cs typeface="Arial"/>
+              </a:rPr>
+              <a:t>Both </a:t>
+            </a:r>
+            <a:r>
+              <a:rPr sz="2400" spc="-165" dirty="0">
+                <a:solidFill>
+                  <a:srgbClr val="FFFFFF"/>
+                </a:solidFill>
+                <a:latin typeface="Arial"/>
+                <a:cs typeface="Arial"/>
+              </a:rPr>
+              <a:t>phishing </a:t>
             </a:r>
             <a:r>
               <a:rPr sz="2400" spc="-105" dirty="0">
@@ -9969,6 +10069,136 @@
               <a:t>and </a:t>
             </a:r>
             <a:r>
+              <a:rPr sz="2400" spc="-125" dirty="0">
+                <a:solidFill>
+                  <a:srgbClr val="FFFFFF"/>
+                </a:solidFill>
+                <a:latin typeface="Arial"/>
+                <a:cs typeface="Arial"/>
+              </a:rPr>
+              <a:t>benign </a:t>
+            </a:r>
+            <a:r>
+              <a:rPr sz="2400" spc="-409" dirty="0">
+                <a:solidFill>
+                  <a:srgbClr val="FFFFFF"/>
+                </a:solidFill>
+                <a:latin typeface="Arial"/>
+                <a:cs typeface="Arial"/>
+              </a:rPr>
+              <a:t>URLs </a:t>
+            </a:r>
+            <a:r>
+              <a:rPr sz="2400" spc="-5" dirty="0">
+                <a:solidFill>
+                  <a:srgbClr val="FFFFFF"/>
+                </a:solidFill>
+                <a:latin typeface="Arial"/>
+                <a:cs typeface="Arial"/>
+              </a:rPr>
+              <a:t>of </a:t>
+            </a:r>
+            <a:r>
+              <a:rPr sz="2400" spc="-170" dirty="0">
+                <a:solidFill>
+                  <a:srgbClr val="FFFFFF"/>
+                </a:solidFill>
+                <a:latin typeface="Arial"/>
+                <a:cs typeface="Arial"/>
+              </a:rPr>
+              <a:t>websites  </a:t>
+            </a:r>
+            <a:r>
+              <a:rPr sz="2400" spc="-50" dirty="0">
+                <a:solidFill>
+                  <a:srgbClr val="FFFFFF"/>
+                </a:solidFill>
+                <a:latin typeface="Arial"/>
+                <a:cs typeface="Arial"/>
+              </a:rPr>
+              <a:t>are </a:t>
+            </a:r>
+            <a:r>
+              <a:rPr sz="2400" spc="-85" dirty="0">
+                <a:solidFill>
+                  <a:srgbClr val="FFFFFF"/>
+                </a:solidFill>
+                <a:latin typeface="Arial"/>
+                <a:cs typeface="Arial"/>
+              </a:rPr>
+              <a:t>gathered </a:t>
+            </a:r>
+            <a:r>
+              <a:rPr sz="2400" spc="-80" dirty="0">
+                <a:solidFill>
+                  <a:srgbClr val="FFFFFF"/>
+                </a:solidFill>
+                <a:latin typeface="Arial"/>
+                <a:cs typeface="Arial"/>
+              </a:rPr>
+              <a:t>to </a:t>
+            </a:r>
+            <a:r>
+              <a:rPr sz="2400" spc="-100" dirty="0">
+                <a:solidFill>
+                  <a:srgbClr val="FFFFFF"/>
+                </a:solidFill>
+                <a:latin typeface="Arial"/>
+                <a:cs typeface="Arial"/>
+              </a:rPr>
+              <a:t>form </a:t>
+            </a:r>
+            <a:r>
+              <a:rPr sz="2400" spc="-15" dirty="0">
+                <a:solidFill>
+                  <a:srgbClr val="FFFFFF"/>
+                </a:solidFill>
+                <a:latin typeface="Arial"/>
+                <a:cs typeface="Arial"/>
+              </a:rPr>
+              <a:t>a </a:t>
+            </a:r>
+            <a:r>
+              <a:rPr sz="2400" spc="-90" dirty="0">
+                <a:solidFill>
+                  <a:srgbClr val="FFFFFF"/>
+                </a:solidFill>
+                <a:latin typeface="Arial"/>
+                <a:cs typeface="Arial"/>
+              </a:rPr>
+              <a:t>dataset </a:t>
+            </a:r>
+            <a:r>
+              <a:rPr sz="2400" spc="-100" dirty="0">
+                <a:solidFill>
+                  <a:srgbClr val="FFFFFF"/>
+                </a:solidFill>
+                <a:latin typeface="Arial"/>
+                <a:cs typeface="Arial"/>
+              </a:rPr>
+              <a:t>and </a:t>
+            </a:r>
+            <a:r>
+              <a:rPr sz="2400" spc="-114" dirty="0">
+                <a:solidFill>
+                  <a:srgbClr val="FFFFFF"/>
+                </a:solidFill>
+                <a:latin typeface="Arial"/>
+                <a:cs typeface="Arial"/>
+              </a:rPr>
+              <a:t>from </a:t>
+            </a:r>
+            <a:r>
+              <a:rPr sz="2400" spc="-210" dirty="0">
+                <a:solidFill>
+                  <a:srgbClr val="FFFFFF"/>
+                </a:solidFill>
+                <a:latin typeface="Arial"/>
+                <a:cs typeface="Arial"/>
+              </a:rPr>
+              <a:t>them </a:t>
+            </a:r>
+            <a:r>
               <a:rPr sz="2400" spc="-75" dirty="0">
                 <a:solidFill>
                   <a:srgbClr val="FFFFFF"/>
@@ -9976,47 +10206,57 @@
                 <a:latin typeface="Arial"/>
                 <a:cs typeface="Arial"/>
               </a:rPr>
-              <a:t>deep </a:t>
-            </a:r>
-            <a:r>
-              <a:rPr sz="2400" spc="-125" dirty="0">
-                <a:solidFill>
-                  <a:srgbClr val="FFFFFF"/>
-                </a:solidFill>
-                <a:latin typeface="Arial"/>
-                <a:cs typeface="Arial"/>
-              </a:rPr>
-              <a:t>neural </a:t>
-            </a:r>
-            <a:r>
-              <a:rPr sz="2400" spc="-215" dirty="0">
-                <a:solidFill>
-                  <a:srgbClr val="FFFFFF"/>
-                </a:solidFill>
-                <a:latin typeface="Arial"/>
-                <a:cs typeface="Arial"/>
-              </a:rPr>
-              <a:t>nets on </a:t>
-            </a:r>
-            <a:r>
-              <a:rPr sz="2400" spc="-145" dirty="0">
-                <a:solidFill>
-                  <a:srgbClr val="FFFFFF"/>
-                </a:solidFill>
-                <a:latin typeface="Arial"/>
-                <a:cs typeface="Arial"/>
-              </a:rPr>
-              <a:t>the </a:t>
-            </a:r>
-            <a:r>
-              <a:rPr sz="2400" spc="-90" dirty="0">
-                <a:solidFill>
-                  <a:srgbClr val="FFFFFF"/>
-                </a:solidFill>
-                <a:latin typeface="Arial"/>
-                <a:cs typeface="Arial"/>
-              </a:rPr>
-              <a:t>dataset  </a:t>
+              <a:t>required </a:t>
+            </a:r>
+            <a:r>
+              <a:rPr sz="2400" spc="-409" dirty="0">
+                <a:solidFill>
+                  <a:srgbClr val="FFFFFF"/>
+                </a:solidFill>
+                <a:latin typeface="Arial"/>
+                <a:cs typeface="Arial"/>
+              </a:rPr>
+              <a:t>URL </a:t>
+            </a:r>
+            <a:r>
+              <a:rPr sz="2400" spc="-105" dirty="0">
+                <a:solidFill>
+                  <a:srgbClr val="FFFFFF"/>
+                </a:solidFill>
+                <a:latin typeface="Arial"/>
+                <a:cs typeface="Arial"/>
+              </a:rPr>
+              <a:t>and </a:t>
+            </a:r>
+            <a:r>
+              <a:rPr sz="2400" spc="-135" dirty="0">
+                <a:solidFill>
+                  <a:srgbClr val="FFFFFF"/>
+                </a:solidFill>
+                <a:latin typeface="Arial"/>
+                <a:cs typeface="Arial"/>
+              </a:rPr>
+              <a:t>website  content-based </a:t>
+            </a:r>
+            <a:r>
+              <a:rPr sz="2400" spc="-110" dirty="0">
+                <a:solidFill>
+                  <a:srgbClr val="FFFFFF"/>
+                </a:solidFill>
+                <a:latin typeface="Arial"/>
+                <a:cs typeface="Arial"/>
+              </a:rPr>
+              <a:t>features </a:t>
+            </a:r>
+            <a:r>
+              <a:rPr sz="2400" spc="-50" dirty="0">
+                <a:solidFill>
+                  <a:srgbClr val="FFFFFF"/>
+                </a:solidFill>
+                <a:latin typeface="Arial"/>
+                <a:cs typeface="Arial"/>
+              </a:rPr>
+              <a:t>are </a:t>
             </a:r>
             <a:r>
               <a:rPr sz="2400" spc="-85" dirty="0">
@@ -10026,67 +10266,107 @@
                 <a:latin typeface="Arial"/>
                 <a:cs typeface="Arial"/>
               </a:rPr>
-              <a:t>created </a:t>
-            </a:r>
-            <a:r>
-              <a:rPr sz="2400" spc="-80" dirty="0">
-                <a:solidFill>
-                  <a:srgbClr val="FFFFFF"/>
-                </a:solidFill>
-                <a:latin typeface="Arial"/>
-                <a:cs typeface="Arial"/>
-              </a:rPr>
-              <a:t>to </a:t>
-            </a:r>
-            <a:r>
-              <a:rPr sz="2400" spc="-65" dirty="0">
-                <a:solidFill>
-                  <a:srgbClr val="FFFFFF"/>
-                </a:solidFill>
-                <a:latin typeface="Arial"/>
-                <a:cs typeface="Arial"/>
-              </a:rPr>
-              <a:t>predict </a:t>
-            </a:r>
-            <a:r>
-              <a:rPr sz="2400" spc="-165" dirty="0">
-                <a:solidFill>
-                  <a:srgbClr val="FFFFFF"/>
-                </a:solidFill>
-                <a:latin typeface="Arial"/>
-                <a:cs typeface="Arial"/>
-              </a:rPr>
-              <a:t>phishing </a:t>
-            </a:r>
-            <a:r>
-              <a:rPr sz="2400" spc="-170" dirty="0">
-                <a:solidFill>
-                  <a:srgbClr val="FFFFFF"/>
-                </a:solidFill>
-                <a:latin typeface="Arial"/>
-                <a:cs typeface="Arial"/>
-              </a:rPr>
-              <a:t>websites. </a:t>
-            </a:r>
-            <a:r>
-              <a:rPr sz="2400" spc="-210" dirty="0">
-                <a:solidFill>
-                  <a:srgbClr val="FFFFFF"/>
-                </a:solidFill>
-                <a:latin typeface="Arial"/>
-                <a:cs typeface="Arial"/>
-              </a:rPr>
-              <a:t>Both </a:t>
-            </a:r>
-            <a:r>
-              <a:rPr sz="2400" spc="-165" dirty="0">
-                <a:solidFill>
-                  <a:srgbClr val="FFFFFF"/>
-                </a:solidFill>
-                <a:latin typeface="Arial"/>
-                <a:cs typeface="Arial"/>
-              </a:rPr>
-              <a:t>phishing </a:t>
+              <a:t>extracted. </a:t>
+            </a:r>
+            <a:r>
+              <a:rPr sz="2400" spc="-280" dirty="0">
+                <a:solidFill>
+                  <a:srgbClr val="FFFFFF"/>
+                </a:solidFill>
+                <a:latin typeface="Arial"/>
+                <a:cs typeface="Arial"/>
+              </a:rPr>
+              <a:t>The </a:t>
+            </a:r>
+            <a:r>
+              <a:rPr sz="2400" spc="-120" dirty="0">
+                <a:solidFill>
+                  <a:srgbClr val="FFFFFF"/>
+                </a:solidFill>
+                <a:latin typeface="Arial"/>
+                <a:cs typeface="Arial"/>
+              </a:rPr>
+              <a:t>performance </a:t>
+            </a:r>
+            <a:r>
+              <a:rPr sz="2400" spc="-100" dirty="0">
+                <a:solidFill>
+                  <a:srgbClr val="FFFFFF"/>
+                </a:solidFill>
+                <a:latin typeface="Arial"/>
+                <a:cs typeface="Arial"/>
+              </a:rPr>
+              <a:t>level </a:t>
+            </a:r>
+            <a:r>
+              <a:rPr sz="2400" spc="-5" dirty="0">
+                <a:solidFill>
+                  <a:srgbClr val="FFFFFF"/>
+                </a:solidFill>
+                <a:latin typeface="Arial"/>
+                <a:cs typeface="Arial"/>
+              </a:rPr>
+              <a:t>of </a:t>
+            </a:r>
+            <a:r>
+              <a:rPr sz="2400" spc="-160" dirty="0">
+                <a:solidFill>
+                  <a:srgbClr val="FFFFFF"/>
+                </a:solidFill>
+                <a:latin typeface="Arial"/>
+                <a:cs typeface="Arial"/>
+              </a:rPr>
+              <a:t>each </a:t>
+            </a:r>
+            <a:r>
+              <a:rPr sz="2400" spc="-140" dirty="0">
+                <a:solidFill>
+                  <a:srgbClr val="FFFFFF"/>
+                </a:solidFill>
+                <a:latin typeface="Arial"/>
+                <a:cs typeface="Arial"/>
+              </a:rPr>
+              <a:t>model </a:t>
+            </a:r>
+            <a:r>
+              <a:rPr sz="2400" spc="-204" dirty="0">
+                <a:solidFill>
+                  <a:srgbClr val="FFFFFF"/>
+                </a:solidFill>
+                <a:latin typeface="Arial"/>
+                <a:cs typeface="Arial"/>
+              </a:rPr>
+              <a:t>is  </a:t>
+            </a:r>
+            <a:r>
+              <a:rPr sz="2400" spc="-225" dirty="0">
+                <a:solidFill>
+                  <a:srgbClr val="FFFFFF"/>
+                </a:solidFill>
+                <a:latin typeface="Arial"/>
+                <a:cs typeface="Arial"/>
+              </a:rPr>
+              <a:t>measure</a:t>
+            </a:r>
+            <a:r>
+              <a:rPr lang="en-US" sz="2400" spc="-225" dirty="0">
+                <a:solidFill>
+                  <a:srgbClr val="FFFFFF"/>
+                </a:solidFill>
+                <a:latin typeface="Arial"/>
+                <a:cs typeface="Arial"/>
+              </a:rPr>
+              <a:t>d</a:t>
+            </a:r>
+            <a:r>
+              <a:rPr sz="2400" spc="-225" dirty="0">
+                <a:solidFill>
+                  <a:srgbClr val="FFFFFF"/>
+                </a:solidFill>
+                <a:latin typeface="Arial"/>
+                <a:cs typeface="Arial"/>
+              </a:rPr>
+              <a:t> </a:t>
             </a:r>
             <a:r>
               <a:rPr sz="2400" spc="-105" dirty="0">
@@ -10096,296 +10376,6 @@
                 <a:latin typeface="Arial"/>
                 <a:cs typeface="Arial"/>
               </a:rPr>
-              <a:t>and </a:t>
-            </a:r>
-            <a:r>
-              <a:rPr sz="2400" spc="-125" dirty="0">
-                <a:solidFill>
-                  <a:srgbClr val="FFFFFF"/>
-                </a:solidFill>
-                <a:latin typeface="Arial"/>
-                <a:cs typeface="Arial"/>
-              </a:rPr>
-              <a:t>benign </a:t>
-            </a:r>
-            <a:r>
-              <a:rPr sz="2400" spc="-409" dirty="0">
-                <a:solidFill>
-                  <a:srgbClr val="FFFFFF"/>
-                </a:solidFill>
-                <a:latin typeface="Arial"/>
-                <a:cs typeface="Arial"/>
-              </a:rPr>
-              <a:t>URLs </a:t>
-            </a:r>
-            <a:r>
-              <a:rPr sz="2400" spc="-5" dirty="0">
-                <a:solidFill>
-                  <a:srgbClr val="FFFFFF"/>
-                </a:solidFill>
-                <a:latin typeface="Arial"/>
-                <a:cs typeface="Arial"/>
-              </a:rPr>
-              <a:t>of </a:t>
-            </a:r>
-            <a:r>
-              <a:rPr sz="2400" spc="-170" dirty="0">
-                <a:solidFill>
-                  <a:srgbClr val="FFFFFF"/>
-                </a:solidFill>
-                <a:latin typeface="Arial"/>
-                <a:cs typeface="Arial"/>
-              </a:rPr>
-              <a:t>websites  </a:t>
-            </a:r>
-            <a:r>
-              <a:rPr sz="2400" spc="-50" dirty="0">
-                <a:solidFill>
-                  <a:srgbClr val="FFFFFF"/>
-                </a:solidFill>
-                <a:latin typeface="Arial"/>
-                <a:cs typeface="Arial"/>
-              </a:rPr>
-              <a:t>are </a:t>
-            </a:r>
-            <a:r>
-              <a:rPr sz="2400" spc="-85" dirty="0">
-                <a:solidFill>
-                  <a:srgbClr val="FFFFFF"/>
-                </a:solidFill>
-                <a:latin typeface="Arial"/>
-                <a:cs typeface="Arial"/>
-              </a:rPr>
-              <a:t>gathered </a:t>
-            </a:r>
-            <a:r>
-              <a:rPr sz="2400" spc="-80" dirty="0">
-                <a:solidFill>
-                  <a:srgbClr val="FFFFFF"/>
-                </a:solidFill>
-                <a:latin typeface="Arial"/>
-                <a:cs typeface="Arial"/>
-              </a:rPr>
-              <a:t>to </a:t>
-            </a:r>
-            <a:r>
-              <a:rPr sz="2400" spc="-100" dirty="0">
-                <a:solidFill>
-                  <a:srgbClr val="FFFFFF"/>
-                </a:solidFill>
-                <a:latin typeface="Arial"/>
-                <a:cs typeface="Arial"/>
-              </a:rPr>
-              <a:t>form </a:t>
-            </a:r>
-            <a:r>
-              <a:rPr sz="2400" spc="-15" dirty="0">
-                <a:solidFill>
-                  <a:srgbClr val="FFFFFF"/>
-                </a:solidFill>
-                <a:latin typeface="Arial"/>
-                <a:cs typeface="Arial"/>
-              </a:rPr>
-              <a:t>a </a:t>
-            </a:r>
-            <a:r>
-              <a:rPr sz="2400" spc="-90" dirty="0">
-                <a:solidFill>
-                  <a:srgbClr val="FFFFFF"/>
-                </a:solidFill>
-                <a:latin typeface="Arial"/>
-                <a:cs typeface="Arial"/>
-              </a:rPr>
-              <a:t>dataset </a:t>
-            </a:r>
-            <a:r>
-              <a:rPr sz="2400" spc="-100" dirty="0">
-                <a:solidFill>
-                  <a:srgbClr val="FFFFFF"/>
-                </a:solidFill>
-                <a:latin typeface="Arial"/>
-                <a:cs typeface="Arial"/>
-              </a:rPr>
-              <a:t>and </a:t>
-            </a:r>
-            <a:r>
-              <a:rPr sz="2400" spc="-114" dirty="0">
-                <a:solidFill>
-                  <a:srgbClr val="FFFFFF"/>
-                </a:solidFill>
-                <a:latin typeface="Arial"/>
-                <a:cs typeface="Arial"/>
-              </a:rPr>
-              <a:t>from </a:t>
-            </a:r>
-            <a:r>
-              <a:rPr sz="2400" spc="-210" dirty="0">
-                <a:solidFill>
-                  <a:srgbClr val="FFFFFF"/>
-                </a:solidFill>
-                <a:latin typeface="Arial"/>
-                <a:cs typeface="Arial"/>
-              </a:rPr>
-              <a:t>them </a:t>
-            </a:r>
-            <a:r>
-              <a:rPr sz="2400" spc="-75" dirty="0">
-                <a:solidFill>
-                  <a:srgbClr val="FFFFFF"/>
-                </a:solidFill>
-                <a:latin typeface="Arial"/>
-                <a:cs typeface="Arial"/>
-              </a:rPr>
-              <a:t>required </a:t>
-            </a:r>
-            <a:r>
-              <a:rPr sz="2400" spc="-409" dirty="0">
-                <a:solidFill>
-                  <a:srgbClr val="FFFFFF"/>
-                </a:solidFill>
-                <a:latin typeface="Arial"/>
-                <a:cs typeface="Arial"/>
-              </a:rPr>
-              <a:t>URL </a:t>
-            </a:r>
-            <a:r>
-              <a:rPr sz="2400" spc="-105" dirty="0">
-                <a:solidFill>
-                  <a:srgbClr val="FFFFFF"/>
-                </a:solidFill>
-                <a:latin typeface="Arial"/>
-                <a:cs typeface="Arial"/>
-              </a:rPr>
-              <a:t>and </a:t>
-            </a:r>
-            <a:r>
-              <a:rPr sz="2400" spc="-135" dirty="0">
-                <a:solidFill>
-                  <a:srgbClr val="FFFFFF"/>
-                </a:solidFill>
-                <a:latin typeface="Arial"/>
-                <a:cs typeface="Arial"/>
-              </a:rPr>
-              <a:t>website  content-based </a:t>
-            </a:r>
-            <a:r>
-              <a:rPr sz="2400" spc="-110" dirty="0">
-                <a:solidFill>
-                  <a:srgbClr val="FFFFFF"/>
-                </a:solidFill>
-                <a:latin typeface="Arial"/>
-                <a:cs typeface="Arial"/>
-              </a:rPr>
-              <a:t>features </a:t>
-            </a:r>
-            <a:r>
-              <a:rPr sz="2400" spc="-50" dirty="0">
-                <a:solidFill>
-                  <a:srgbClr val="FFFFFF"/>
-                </a:solidFill>
-                <a:latin typeface="Arial"/>
-                <a:cs typeface="Arial"/>
-              </a:rPr>
-              <a:t>are </a:t>
-            </a:r>
-            <a:r>
-              <a:rPr sz="2400" spc="-85" dirty="0">
-                <a:solidFill>
-                  <a:srgbClr val="FFFFFF"/>
-                </a:solidFill>
-                <a:latin typeface="Arial"/>
-                <a:cs typeface="Arial"/>
-              </a:rPr>
-              <a:t>extracted. </a:t>
-            </a:r>
-            <a:r>
-              <a:rPr sz="2400" spc="-280" dirty="0">
-                <a:solidFill>
-                  <a:srgbClr val="FFFFFF"/>
-                </a:solidFill>
-                <a:latin typeface="Arial"/>
-                <a:cs typeface="Arial"/>
-              </a:rPr>
-              <a:t>The </a:t>
-            </a:r>
-            <a:r>
-              <a:rPr sz="2400" spc="-120" dirty="0">
-                <a:solidFill>
-                  <a:srgbClr val="FFFFFF"/>
-                </a:solidFill>
-                <a:latin typeface="Arial"/>
-                <a:cs typeface="Arial"/>
-              </a:rPr>
-              <a:t>performance </a:t>
-            </a:r>
-            <a:r>
-              <a:rPr sz="2400" spc="-100" dirty="0">
-                <a:solidFill>
-                  <a:srgbClr val="FFFFFF"/>
-                </a:solidFill>
-                <a:latin typeface="Arial"/>
-                <a:cs typeface="Arial"/>
-              </a:rPr>
-              <a:t>level </a:t>
-            </a:r>
-            <a:r>
-              <a:rPr sz="2400" spc="-5" dirty="0">
-                <a:solidFill>
-                  <a:srgbClr val="FFFFFF"/>
-                </a:solidFill>
-                <a:latin typeface="Arial"/>
-                <a:cs typeface="Arial"/>
-              </a:rPr>
-              <a:t>of </a:t>
-            </a:r>
-            <a:r>
-              <a:rPr sz="2400" spc="-160" dirty="0">
-                <a:solidFill>
-                  <a:srgbClr val="FFFFFF"/>
-                </a:solidFill>
-                <a:latin typeface="Arial"/>
-                <a:cs typeface="Arial"/>
-              </a:rPr>
-              <a:t>each </a:t>
-            </a:r>
-            <a:r>
-              <a:rPr sz="2400" spc="-140" dirty="0">
-                <a:solidFill>
-                  <a:srgbClr val="FFFFFF"/>
-                </a:solidFill>
-                <a:latin typeface="Arial"/>
-                <a:cs typeface="Arial"/>
-              </a:rPr>
-              <a:t>model </a:t>
-            </a:r>
-            <a:r>
-              <a:rPr sz="2400" spc="-204" dirty="0">
-                <a:solidFill>
-                  <a:srgbClr val="FFFFFF"/>
-                </a:solidFill>
-                <a:latin typeface="Arial"/>
-                <a:cs typeface="Arial"/>
-              </a:rPr>
-              <a:t>is  </a:t>
-            </a:r>
-            <a:r>
-              <a:rPr sz="2400" spc="-225" dirty="0">
-                <a:solidFill>
-                  <a:srgbClr val="FFFFFF"/>
-                </a:solidFill>
-                <a:latin typeface="Arial"/>
-                <a:cs typeface="Arial"/>
-              </a:rPr>
-              <a:t>measures </a:t>
-            </a:r>
-            <a:r>
-              <a:rPr sz="2400" spc="-105" dirty="0">
-                <a:solidFill>
-                  <a:srgbClr val="FFFFFF"/>
-                </a:solidFill>
-                <a:latin typeface="Arial"/>
-                <a:cs typeface="Arial"/>
-              </a:rPr>
               <a:t>and</a:t>
             </a:r>
             <a:r>
@@ -10408,7 +10398,7 @@
               </a:rPr>
               <a:t>compared.</a:t>
             </a:r>
-            <a:endParaRPr sz="2400">
+            <a:endParaRPr sz="2400" dirty="0">
               <a:latin typeface="Arial"/>
               <a:cs typeface="Arial"/>
             </a:endParaRPr>
@@ -10501,7 +10491,7 @@
         <p:spPr>
           <a:xfrm>
             <a:off x="1547875" y="1811782"/>
-            <a:ext cx="9641840" cy="4032885"/>
+            <a:ext cx="9641840" cy="3699090"/>
           </a:xfrm>
           <a:prstGeom prst="rect">
             <a:avLst/>
@@ -10589,27 +10579,7 @@
                 <a:latin typeface="Arial"/>
                 <a:cs typeface="Arial"/>
               </a:rPr>
-              <a:t>in </a:t>
-            </a:r>
-            <a:r>
-              <a:rPr sz="2200" spc="-135" dirty="0">
-                <a:solidFill>
-                  <a:srgbClr val="FFFFFF"/>
-                </a:solidFill>
-                <a:latin typeface="Arial"/>
-                <a:cs typeface="Arial"/>
-              </a:rPr>
-              <a:t>the </a:t>
-            </a:r>
-            <a:r>
-              <a:rPr sz="2200" spc="-130" dirty="0">
-                <a:solidFill>
-                  <a:srgbClr val="FFFFFF"/>
-                </a:solidFill>
-                <a:latin typeface="Arial"/>
-                <a:cs typeface="Arial"/>
-              </a:rPr>
-              <a:t>completion </a:t>
+              <a:t>in</a:t>
             </a:r>
             <a:r>
               <a:rPr sz="2200" spc="-5" dirty="0">
@@ -10619,7 +10589,7 @@
                 <a:latin typeface="Arial"/>
                 <a:cs typeface="Arial"/>
               </a:rPr>
-              <a:t>of </a:t>
+              <a:t> </a:t>
             </a:r>
             <a:r>
               <a:rPr sz="2200" spc="-165" dirty="0">
@@ -10651,7 +10621,7 @@
               </a:rPr>
               <a:t>project:</a:t>
             </a:r>
-            <a:endParaRPr sz="2200">
+            <a:endParaRPr sz="2200" dirty="0">
               <a:latin typeface="Arial"/>
               <a:cs typeface="Arial"/>
             </a:endParaRPr>
@@ -10800,7 +10770,7 @@
               </a:rPr>
               <a:t>platforms.</a:t>
             </a:r>
-            <a:endParaRPr sz="2000">
+            <a:endParaRPr sz="2000" dirty="0">
               <a:latin typeface="Arial"/>
               <a:cs typeface="Arial"/>
             </a:endParaRPr>
@@ -10929,7 +10899,7 @@
               </a:rPr>
               <a:t>database.</a:t>
             </a:r>
-            <a:endParaRPr sz="2000">
+            <a:endParaRPr sz="2000" dirty="0">
               <a:latin typeface="Arial"/>
               <a:cs typeface="Arial"/>
             </a:endParaRPr>
@@ -11026,7 +10996,27 @@
                 <a:latin typeface="Arial"/>
                 <a:cs typeface="Arial"/>
               </a:rPr>
-              <a:t>EDA </a:t>
+              <a:t>EDA</a:t>
+            </a:r>
+            <a:r>
+              <a:rPr lang="en-US" sz="2000" spc="-285" dirty="0">
+                <a:solidFill>
+                  <a:srgbClr val="FFFFFF"/>
+                </a:solidFill>
+                <a:latin typeface="Arial"/>
+                <a:cs typeface="Arial"/>
+              </a:rPr>
+              <a:t> </a:t>
+            </a:r>
+            <a:r>
+              <a:rPr sz="2000" spc="-285" dirty="0">
+                <a:solidFill>
+                  <a:srgbClr val="FFFFFF"/>
+                </a:solidFill>
+                <a:latin typeface="Arial"/>
+                <a:cs typeface="Arial"/>
+              </a:rPr>
+              <a:t> </a:t>
             </a:r>
             <a:r>
               <a:rPr sz="2000" spc="-145" dirty="0">
@@ -11038,7 +11028,7 @@
               </a:rPr>
               <a:t>techniques.</a:t>
             </a:r>
-            <a:endParaRPr sz="2000">
+            <a:endParaRPr sz="2000" dirty="0">
               <a:latin typeface="Arial"/>
               <a:cs typeface="Arial"/>
             </a:endParaRPr>
@@ -11147,7 +11137,7 @@
               </a:rPr>
               <a:t>sets.</a:t>
             </a:r>
-            <a:endParaRPr sz="2000">
+            <a:endParaRPr sz="2000" dirty="0">
               <a:latin typeface="Arial"/>
               <a:cs typeface="Arial"/>
             </a:endParaRPr>
@@ -11177,6 +11167,16 @@
               <a:t>Run </a:t>
             </a:r>
             <a:r>
+              <a:rPr lang="en-US" sz="2000" spc="-305" dirty="0">
+                <a:solidFill>
+                  <a:srgbClr val="FFFFFF"/>
+                </a:solidFill>
+                <a:latin typeface="Arial"/>
+                <a:cs typeface="Arial"/>
+              </a:rPr>
+              <a:t> </a:t>
+            </a:r>
+            <a:r>
               <a:rPr sz="2000" spc="-120" dirty="0">
                 <a:solidFill>
                   <a:srgbClr val="FFFFFF"/>
@@ -11207,36 +11207,6 @@
               <a:t>learning </a:t>
             </a:r>
             <a:r>
-              <a:rPr sz="2000" spc="-85" dirty="0">
-                <a:solidFill>
-                  <a:srgbClr val="FFFFFF"/>
-                </a:solidFill>
-                <a:latin typeface="Arial"/>
-                <a:cs typeface="Arial"/>
-              </a:rPr>
-              <a:t>and </a:t>
-            </a:r>
-            <a:r>
-              <a:rPr sz="2000" spc="-60" dirty="0">
-                <a:solidFill>
-                  <a:srgbClr val="FFFFFF"/>
-                </a:solidFill>
-                <a:latin typeface="Arial"/>
-                <a:cs typeface="Arial"/>
-              </a:rPr>
-              <a:t>deep </a:t>
-            </a:r>
-            <a:r>
-              <a:rPr sz="2000" spc="-105" dirty="0">
-                <a:solidFill>
-                  <a:srgbClr val="FFFFFF"/>
-                </a:solidFill>
-                <a:latin typeface="Arial"/>
-                <a:cs typeface="Arial"/>
-              </a:rPr>
-              <a:t>neural network </a:t>
-            </a:r>
-            <a:r>
               <a:rPr sz="2000" spc="-110" dirty="0">
                 <a:solidFill>
                   <a:srgbClr val="FFFFFF"/>
@@ -11244,17 +11214,17 @@
                 <a:latin typeface="Arial"/>
                 <a:cs typeface="Arial"/>
               </a:rPr>
-              <a:t>algorithms </a:t>
-            </a:r>
-            <a:r>
-              <a:rPr sz="2000" spc="-75" dirty="0">
-                <a:solidFill>
-                  <a:srgbClr val="FFFFFF"/>
-                </a:solidFill>
-                <a:latin typeface="Arial"/>
-                <a:cs typeface="Arial"/>
-              </a:rPr>
-              <a:t>like </a:t>
+              <a:t>algorithms</a:t>
+            </a:r>
+            <a:r>
+              <a:rPr lang="en-US" sz="2000" spc="-110" dirty="0">
+                <a:solidFill>
+                  <a:srgbClr val="FFFFFF"/>
+                </a:solidFill>
+                <a:latin typeface="Arial"/>
+                <a:cs typeface="Arial"/>
+              </a:rPr>
+              <a:t> </a:t>
             </a:r>
             <a:r>
               <a:rPr sz="2000" spc="-175" dirty="0">
@@ -11264,27 +11234,7 @@
                 <a:latin typeface="Arial"/>
                 <a:cs typeface="Arial"/>
               </a:rPr>
-              <a:t>SVM, </a:t>
-            </a:r>
-            <a:r>
-              <a:rPr sz="2000" spc="-204" dirty="0">
-                <a:solidFill>
-                  <a:srgbClr val="FFFFFF"/>
-                </a:solidFill>
-                <a:latin typeface="Arial"/>
-                <a:cs typeface="Arial"/>
-              </a:rPr>
-              <a:t>Random </a:t>
-            </a:r>
-            <a:r>
-              <a:rPr sz="2000" spc="-150" dirty="0">
-                <a:solidFill>
-                  <a:srgbClr val="FFFFFF"/>
-                </a:solidFill>
-                <a:latin typeface="Arial"/>
-                <a:cs typeface="Arial"/>
-              </a:rPr>
-              <a:t>Forest,  </a:t>
+              <a:t>on </a:t>
             </a:r>
             <a:r>
               <a:rPr sz="2000" spc="-120" dirty="0">
@@ -11294,26 +11244,6 @@
                 <a:latin typeface="Arial"/>
                 <a:cs typeface="Arial"/>
               </a:rPr>
-              <a:t>Autoencoder </a:t>
-            </a:r>
-            <a:r>
-              <a:rPr sz="2000" spc="-175" dirty="0">
-                <a:solidFill>
-                  <a:srgbClr val="FFFFFF"/>
-                </a:solidFill>
-                <a:latin typeface="Arial"/>
-                <a:cs typeface="Arial"/>
-              </a:rPr>
-              <a:t>on </a:t>
-            </a:r>
-            <a:r>
-              <a:rPr sz="2000" spc="-120" dirty="0">
-                <a:solidFill>
-                  <a:srgbClr val="FFFFFF"/>
-                </a:solidFill>
-                <a:latin typeface="Arial"/>
-                <a:cs typeface="Arial"/>
-              </a:rPr>
               <a:t>the</a:t>
             </a:r>
             <a:r>
@@ -11336,7 +11266,7 @@
               </a:rPr>
               <a:t>dataset.</a:t>
             </a:r>
-            <a:endParaRPr sz="2000">
+            <a:endParaRPr sz="2000" dirty="0">
               <a:latin typeface="Arial"/>
               <a:cs typeface="Arial"/>
             </a:endParaRPr>
@@ -11465,7 +11395,7 @@
               </a:rPr>
               <a:t>metrics.</a:t>
             </a:r>
-            <a:endParaRPr sz="2000">
+            <a:endParaRPr sz="2000" dirty="0">
               <a:latin typeface="Arial"/>
               <a:cs typeface="Arial"/>
             </a:endParaRPr>
@@ -11604,7 +11534,7 @@
               </a:rPr>
               <a:t>better.</a:t>
             </a:r>
-            <a:endParaRPr sz="2000">
+            <a:endParaRPr sz="2000" dirty="0">
               <a:latin typeface="Arial"/>
               <a:cs typeface="Arial"/>
             </a:endParaRPr>
@@ -11874,7 +11804,7 @@
               </a:rPr>
               <a:t>.</a:t>
             </a:r>
-            <a:endParaRPr sz="2400">
+            <a:endParaRPr sz="2400" dirty="0">
               <a:latin typeface="Arial"/>
               <a:cs typeface="Arial"/>
             </a:endParaRPr>
@@ -11944,6 +11874,16 @@
               <a:t>URLs </a:t>
             </a:r>
             <a:r>
+              <a:rPr lang="en-US" sz="2400" spc="-409" dirty="0">
+                <a:solidFill>
+                  <a:srgbClr val="FFFFFF"/>
+                </a:solidFill>
+                <a:latin typeface="Arial"/>
+                <a:cs typeface="Arial"/>
+              </a:rPr>
+              <a:t> </a:t>
+            </a:r>
+            <a:r>
               <a:rPr sz="2400" spc="-50" dirty="0">
                 <a:solidFill>
                   <a:srgbClr val="FFFFFF"/>
@@ -11983,7 +11923,7 @@
               </a:rPr>
               <a:t>picked.</a:t>
             </a:r>
-            <a:endParaRPr sz="2400">
+            <a:endParaRPr sz="2400" dirty="0">
               <a:latin typeface="Arial"/>
               <a:cs typeface="Arial"/>
             </a:endParaRPr>
@@ -12083,14 +12023,14 @@
               <a:t>called </a:t>
             </a:r>
             <a:r>
-              <a:rPr sz="2400" spc="-275" dirty="0">
-                <a:solidFill>
-                  <a:srgbClr val="FFFFFF"/>
-                </a:solidFill>
-                <a:latin typeface="Arial"/>
-                <a:cs typeface="Arial"/>
-              </a:rPr>
-              <a:t>PhishTank </a:t>
+              <a:rPr sz="2400" spc="-275" dirty="0" err="1">
+                <a:solidFill>
+                  <a:srgbClr val="FFFFFF"/>
+                </a:solidFill>
+                <a:latin typeface="Arial"/>
+                <a:cs typeface="Arial"/>
+              </a:rPr>
+              <a:t>PhishTank</a:t>
             </a:r>
             <a:r>
               <a:rPr sz="2400" spc="-145" dirty="0">
@@ -12302,7 +12242,7 @@
               </a:rPr>
               <a:t>hourly.</a:t>
             </a:r>
-            <a:endParaRPr sz="2400">
+            <a:endParaRPr sz="2400" dirty="0">
               <a:latin typeface="Arial"/>
               <a:cs typeface="Arial"/>
             </a:endParaRPr>
@@ -12329,7 +12269,27 @@
                 <a:latin typeface="Arial"/>
                 <a:cs typeface="Arial"/>
               </a:rPr>
-              <a:t>Form </a:t>
+              <a:t>Fr</a:t>
+            </a:r>
+            <a:r>
+              <a:rPr lang="en-US" sz="2400" spc="-229" dirty="0">
+                <a:solidFill>
+                  <a:srgbClr val="FFFFFF"/>
+                </a:solidFill>
+                <a:latin typeface="Arial"/>
+                <a:cs typeface="Arial"/>
+              </a:rPr>
+              <a:t>o</a:t>
+            </a:r>
+            <a:r>
+              <a:rPr sz="2400" spc="-229" dirty="0">
+                <a:solidFill>
+                  <a:srgbClr val="FFFFFF"/>
+                </a:solidFill>
+                <a:latin typeface="Arial"/>
+                <a:cs typeface="Arial"/>
+              </a:rPr>
+              <a:t>m </a:t>
             </a:r>
             <a:r>
               <a:rPr sz="2400" spc="-145" dirty="0">
@@ -12382,6 +12342,16 @@
               <a:t>URLs </a:t>
             </a:r>
             <a:r>
+              <a:rPr lang="en-US" sz="2400" spc="-409" dirty="0">
+                <a:solidFill>
+                  <a:srgbClr val="FFFFFF"/>
+                </a:solidFill>
+                <a:latin typeface="Arial"/>
+                <a:cs typeface="Arial"/>
+              </a:rPr>
+              <a:t> </a:t>
+            </a:r>
+            <a:r>
               <a:rPr sz="2400" spc="-50" dirty="0">
                 <a:solidFill>
                   <a:srgbClr val="FFFFFF"/>
@@ -12421,7 +12391,7 @@
               </a:rPr>
               <a:t>picked.</a:t>
             </a:r>
-            <a:endParaRPr sz="2400">
+            <a:endParaRPr sz="2400" dirty="0">
               <a:latin typeface="Arial"/>
               <a:cs typeface="Arial"/>
             </a:endParaRPr>
@@ -12465,8 +12435,8 @@
         </p:nvSpPr>
         <p:spPr>
           <a:xfrm>
-            <a:off x="3112389" y="622369"/>
-            <a:ext cx="5967222" cy="935513"/>
+            <a:off x="3112388" y="622369"/>
+            <a:ext cx="6946011" cy="935513"/>
           </a:xfrm>
           <a:prstGeom prst="rect">
             <a:avLst/>
@@ -14749,8 +14719,8 @@
         </p:nvSpPr>
         <p:spPr>
           <a:xfrm>
-            <a:off x="2286190" y="381000"/>
-            <a:ext cx="7619620" cy="935513"/>
+            <a:off x="1981295" y="228600"/>
+            <a:ext cx="8229410" cy="935513"/>
           </a:xfrm>
           <a:prstGeom prst="rect">
             <a:avLst/>
@@ -14814,7 +14784,7 @@
         </p:blipFill>
         <p:spPr bwMode="auto">
           <a:xfrm>
-            <a:off x="3443288" y="1355340"/>
+            <a:off x="3443288" y="1481949"/>
             <a:ext cx="5305424" cy="5121660"/>
           </a:xfrm>
           <a:prstGeom prst="rect">
@@ -15709,76 +15679,16 @@
         <a:srgbClr val="C2EA66"/>
       </a:folHlink>
     </a:clrScheme>
-    <a:fontScheme name="Mesh">
+    <a:fontScheme name="Custom 1">
       <a:majorFont>
-        <a:latin typeface="Century Gothic" panose="020B0502020202020204"/>
+        <a:latin typeface="Times New Roman"/>
         <a:ea typeface=""/>
         <a:cs typeface=""/>
-        <a:font script="Jpan" typeface="ＭＳ ゴシック"/>
-        <a:font script="Hang" typeface="맑은 고딕"/>
-        <a:font script="Hans" typeface="宋体"/>
-        <a:font script="Hant" typeface="新細明體"/>
-        <a:font script="Arab" typeface="Tahoma"/>
-        <a:font script="Hebr" typeface="Gisha"/>
-        <a:font script="Thai" typeface="DilleniaUPC"/>
-        <a:font script="Ethi" typeface="Nyala"/>
-        <a:font script="Beng" typeface="Vrinda"/>
-        <a:font script="Gujr" typeface="Shruti"/>
-        <a:font script="Khmr" typeface="DaunPenh"/>
-        <a:font script="Knda" typeface="Tunga"/>
-        <a:font script="Guru" typeface="Raavi"/>
-        <a:font script="Cans" typeface="Euphemia"/>
-        <a:font script="Cher" typeface="Plantagenet Cherokee"/>
-        <a:font script="Yiii" typeface="Microsoft Yi Baiti"/>
-        <a:font script="Tibt" typeface="Microsoft Himalaya"/>
-        <a:font script="Thaa" typeface="MV Boli"/>
-        <a:font script="Deva" typeface="Mangal"/>
-        <a:font script="Telu" typeface="Gautami"/>
-        <a:font script="Taml" typeface="Latha"/>
-        <a:font script="Syrc" typeface="Estrangelo Edessa"/>
-        <a:font script="Orya" typeface="Kalinga"/>
-        <a:font script="Mlym" typeface="Kartika"/>
-        <a:font script="Laoo" typeface="DokChampa"/>
-        <a:font script="Sinh" typeface="Iskoola Pota"/>
-        <a:font script="Mong" typeface="Mongolian Baiti"/>
-        <a:font script="Viet" typeface="Tahoma"/>
-        <a:font script="Uigh" typeface="Microsoft Uighur"/>
-        <a:font script="Geor" typeface="Sylfaen"/>
       </a:majorFont>
       <a:minorFont>
-        <a:latin typeface="Century Gothic" panose="020B0502020202020204"/>
+        <a:latin typeface="Arial"/>
         <a:ea typeface=""/>
         <a:cs typeface=""/>
-        <a:font script="Jpan" typeface="ＭＳ ゴシック"/>
-        <a:font script="Hang" typeface="맑은 고딕"/>
-        <a:font script="Hans" typeface="宋体"/>
-        <a:font script="Hant" typeface="新細明體"/>
-        <a:font script="Arab" typeface="Tahoma"/>
-        <a:font script="Hebr" typeface="Gisha"/>
-        <a:font script="Thai" typeface="DilleniaUPC"/>
-        <a:font script="Ethi" typeface="Nyala"/>
-        <a:font script="Beng" typeface="Vrinda"/>
-        <a:font script="Gujr" typeface="Shruti"/>
-        <a:font script="Khmr" typeface="DaunPenh"/>
-        <a:font script="Knda" typeface="Tunga"/>
-        <a:font script="Guru" typeface="Raavi"/>
-        <a:font script="Cans" typeface="Euphemia"/>
-        <a:font script="Cher" typeface="Plantagenet Cherokee"/>
-        <a:font script="Yiii" typeface="Microsoft Yi Baiti"/>
-        <a:font script="Tibt" typeface="Microsoft Himalaya"/>
-        <a:font script="Thaa" typeface="MV Boli"/>
-        <a:font script="Deva" typeface="Mangal"/>
-        <a:font script="Telu" typeface="Gautami"/>
-        <a:font script="Taml" typeface="Latha"/>
-        <a:font script="Syrc" typeface="Estrangelo Edessa"/>
-        <a:font script="Orya" typeface="Kalinga"/>
-        <a:font script="Mlym" typeface="Kartika"/>
-        <a:font script="Laoo" typeface="DokChampa"/>
-        <a:font script="Sinh" typeface="Iskoola Pota"/>
-        <a:font script="Mong" typeface="Mongolian Baiti"/>
-        <a:font script="Viet" typeface="Verdana"/>
-        <a:font script="Uigh" typeface="Microsoft Uighur"/>
-        <a:font script="Geor" typeface="Sylfaen"/>
       </a:minorFont>
     </a:fontScheme>
     <a:fmtScheme name="Mesh">
